--- a/SVM.pptx
+++ b/SVM.pptx
@@ -16,7 +16,8 @@
     <p:sldId id="263" r:id="rId10"/>
     <p:sldId id="264" r:id="rId11"/>
     <p:sldId id="265" r:id="rId12"/>
-    <p:sldId id="266" r:id="rId13"/>
+    <p:sldId id="269" r:id="rId13"/>
+    <p:sldId id="266" r:id="rId14"/>
   </p:sldIdLst>
   <p:sldSz cx="12192000" cy="6858000"/>
   <p:notesSz cx="6858000" cy="9144000"/>
@@ -115,6 +116,11 @@
       </a:defRPr>
     </a:lvl9pPr>
   </p:defaultTextStyle>
+  <p:extLst>
+    <p:ext uri="{EFAFB233-063F-42B5-8137-9DF3F51BA10A}">
+      <p15:sldGuideLst xmlns:p15="http://schemas.microsoft.com/office/powerpoint/2012/main"/>
+    </p:ext>
+  </p:extLst>
 </p:presentation>
 </file>
 
@@ -449,7 +455,7 @@
           <a:p>
             <a:fld id="{D10B3B9C-73F1-4EF1-A52F-26D26640F61B}" type="datetimeFigureOut">
               <a:rPr lang="en-GB" smtClean="0"/>
-              <a:t>05/03/2023</a:t>
+              <a:t>02/07/2023</a:t>
             </a:fld>
             <a:endParaRPr lang="en-GB"/>
           </a:p>
@@ -773,7 +779,7 @@
           <a:p>
             <a:fld id="{D10B3B9C-73F1-4EF1-A52F-26D26640F61B}" type="datetimeFigureOut">
               <a:rPr lang="en-GB" smtClean="0"/>
-              <a:t>05/03/2023</a:t>
+              <a:t>02/07/2023</a:t>
             </a:fld>
             <a:endParaRPr lang="en-GB"/>
           </a:p>
@@ -1021,7 +1027,7 @@
           <a:p>
             <a:fld id="{D10B3B9C-73F1-4EF1-A52F-26D26640F61B}" type="datetimeFigureOut">
               <a:rPr lang="en-GB" smtClean="0"/>
-              <a:t>05/03/2023</a:t>
+              <a:t>02/07/2023</a:t>
             </a:fld>
             <a:endParaRPr lang="en-GB"/>
           </a:p>
@@ -1360,7 +1366,7 @@
           <a:p>
             <a:fld id="{D10B3B9C-73F1-4EF1-A52F-26D26640F61B}" type="datetimeFigureOut">
               <a:rPr lang="en-GB" smtClean="0"/>
-              <a:t>05/03/2023</a:t>
+              <a:t>02/07/2023</a:t>
             </a:fld>
             <a:endParaRPr lang="en-GB"/>
           </a:p>
@@ -1707,7 +1713,7 @@
           <a:p>
             <a:fld id="{D10B3B9C-73F1-4EF1-A52F-26D26640F61B}" type="datetimeFigureOut">
               <a:rPr lang="en-GB" smtClean="0"/>
-              <a:t>05/03/2023</a:t>
+              <a:t>02/07/2023</a:t>
             </a:fld>
             <a:endParaRPr lang="en-GB"/>
           </a:p>
@@ -2081,7 +2087,7 @@
           <a:p>
             <a:fld id="{D10B3B9C-73F1-4EF1-A52F-26D26640F61B}" type="datetimeFigureOut">
               <a:rPr lang="en-GB" smtClean="0"/>
-              <a:t>05/03/2023</a:t>
+              <a:t>02/07/2023</a:t>
             </a:fld>
             <a:endParaRPr lang="en-GB"/>
           </a:p>
@@ -2551,7 +2557,7 @@
           <a:p>
             <a:fld id="{D10B3B9C-73F1-4EF1-A52F-26D26640F61B}" type="datetimeFigureOut">
               <a:rPr lang="en-GB" smtClean="0"/>
-              <a:t>05/03/2023</a:t>
+              <a:t>02/07/2023</a:t>
             </a:fld>
             <a:endParaRPr lang="en-GB"/>
           </a:p>
@@ -2756,7 +2762,7 @@
           <a:p>
             <a:fld id="{D10B3B9C-73F1-4EF1-A52F-26D26640F61B}" type="datetimeFigureOut">
               <a:rPr lang="en-GB" smtClean="0"/>
-              <a:t>05/03/2023</a:t>
+              <a:t>02/07/2023</a:t>
             </a:fld>
             <a:endParaRPr lang="en-GB"/>
           </a:p>
@@ -2967,7 +2973,7 @@
           <a:p>
             <a:fld id="{D10B3B9C-73F1-4EF1-A52F-26D26640F61B}" type="datetimeFigureOut">
               <a:rPr lang="en-GB" smtClean="0"/>
-              <a:t>05/03/2023</a:t>
+              <a:t>02/07/2023</a:t>
             </a:fld>
             <a:endParaRPr lang="en-GB"/>
           </a:p>
@@ -3199,7 +3205,7 @@
           <a:p>
             <a:fld id="{D10B3B9C-73F1-4EF1-A52F-26D26640F61B}" type="datetimeFigureOut">
               <a:rPr lang="en-GB" smtClean="0"/>
-              <a:t>05/03/2023</a:t>
+              <a:t>02/07/2023</a:t>
             </a:fld>
             <a:endParaRPr lang="en-GB"/>
           </a:p>
@@ -3447,7 +3453,7 @@
           <a:p>
             <a:fld id="{D10B3B9C-73F1-4EF1-A52F-26D26640F61B}" type="datetimeFigureOut">
               <a:rPr lang="en-GB" smtClean="0"/>
-              <a:t>05/03/2023</a:t>
+              <a:t>02/07/2023</a:t>
             </a:fld>
             <a:endParaRPr lang="en-GB"/>
           </a:p>
@@ -3745,7 +3751,7 @@
           <a:p>
             <a:fld id="{D10B3B9C-73F1-4EF1-A52F-26D26640F61B}" type="datetimeFigureOut">
               <a:rPr lang="en-GB" smtClean="0"/>
-              <a:t>05/03/2023</a:t>
+              <a:t>02/07/2023</a:t>
             </a:fld>
             <a:endParaRPr lang="en-GB"/>
           </a:p>
@@ -4139,7 +4145,7 @@
           <a:p>
             <a:fld id="{D10B3B9C-73F1-4EF1-A52F-26D26640F61B}" type="datetimeFigureOut">
               <a:rPr lang="en-GB" smtClean="0"/>
-              <a:t>05/03/2023</a:t>
+              <a:t>02/07/2023</a:t>
             </a:fld>
             <a:endParaRPr lang="en-GB"/>
           </a:p>
@@ -4288,7 +4294,7 @@
           <a:p>
             <a:fld id="{D10B3B9C-73F1-4EF1-A52F-26D26640F61B}" type="datetimeFigureOut">
               <a:rPr lang="en-GB" smtClean="0"/>
-              <a:t>05/03/2023</a:t>
+              <a:t>02/07/2023</a:t>
             </a:fld>
             <a:endParaRPr lang="en-GB"/>
           </a:p>
@@ -4414,7 +4420,7 @@
           <a:p>
             <a:fld id="{D10B3B9C-73F1-4EF1-A52F-26D26640F61B}" type="datetimeFigureOut">
               <a:rPr lang="en-GB" smtClean="0"/>
-              <a:t>05/03/2023</a:t>
+              <a:t>02/07/2023</a:t>
             </a:fld>
             <a:endParaRPr lang="en-GB"/>
           </a:p>
@@ -4669,7 +4675,7 @@
           <a:p>
             <a:fld id="{D10B3B9C-73F1-4EF1-A52F-26D26640F61B}" type="datetimeFigureOut">
               <a:rPr lang="en-GB" smtClean="0"/>
-              <a:t>05/03/2023</a:t>
+              <a:t>02/07/2023</a:t>
             </a:fld>
             <a:endParaRPr lang="en-GB"/>
           </a:p>
@@ -4984,7 +4990,7 @@
           <a:p>
             <a:fld id="{D10B3B9C-73F1-4EF1-A52F-26D26640F61B}" type="datetimeFigureOut">
               <a:rPr lang="en-GB" smtClean="0"/>
-              <a:t>05/03/2023</a:t>
+              <a:t>02/07/2023</a:t>
             </a:fld>
             <a:endParaRPr lang="en-GB"/>
           </a:p>
@@ -5335,7 +5341,7 @@
           <a:p>
             <a:fld id="{D10B3B9C-73F1-4EF1-A52F-26D26640F61B}" type="datetimeFigureOut">
               <a:rPr lang="en-GB" smtClean="0"/>
-              <a:t>05/03/2023</a:t>
+              <a:t>02/07/2023</a:t>
             </a:fld>
             <a:endParaRPr lang="en-GB"/>
           </a:p>
@@ -5918,6 +5924,13 @@
   <p:clrMapOvr>
     <a:masterClrMapping/>
   </p:clrMapOvr>
+  <p:timing>
+    <p:tnLst>
+      <p:par>
+        <p:cTn id="1" dur="indefinite" restart="never" nodeType="tmRoot"/>
+      </p:par>
+    </p:tnLst>
+  </p:timing>
 </p:sld>
 </file>
 
@@ -5978,6 +5991,13 @@
   <p:clrMapOvr>
     <a:masterClrMapping/>
   </p:clrMapOvr>
+  <p:timing>
+    <p:tnLst>
+      <p:par>
+        <p:cTn id="1" dur="indefinite" restart="never" nodeType="tmRoot"/>
+      </p:par>
+    </p:tnLst>
+  </p:timing>
 </p:sld>
 </file>
 
@@ -6038,10 +6058,83 @@
   <p:clrMapOvr>
     <a:masterClrMapping/>
   </p:clrMapOvr>
+  <p:timing>
+    <p:tnLst>
+      <p:par>
+        <p:cTn id="1" dur="indefinite" restart="never" nodeType="tmRoot"/>
+      </p:par>
+    </p:tnLst>
+  </p:timing>
 </p:sld>
 </file>
 
 <file path=ppt/slides/slide12.xml><?xml version="1.0" encoding="utf-8"?>
+<p:sld xmlns:a="http://schemas.openxmlformats.org/drawingml/2006/main" xmlns:r="http://schemas.openxmlformats.org/officeDocument/2006/relationships" xmlns:p="http://schemas.openxmlformats.org/presentationml/2006/main">
+  <p:cSld>
+    <p:spTree>
+      <p:nvGrpSpPr>
+        <p:cNvPr id="1" name=""/>
+        <p:cNvGrpSpPr/>
+        <p:nvPr/>
+      </p:nvGrpSpPr>
+      <p:grpSpPr>
+        <a:xfrm>
+          <a:off x="0" y="0"/>
+          <a:ext cx="0" cy="0"/>
+          <a:chOff x="0" y="0"/>
+          <a:chExt cx="0" cy="0"/>
+        </a:xfrm>
+      </p:grpSpPr>
+      <p:pic>
+        <p:nvPicPr>
+          <p:cNvPr id="4" name="Content Placeholder 3"/>
+          <p:cNvPicPr>
+            <a:picLocks noGrp="1" noChangeAspect="1"/>
+          </p:cNvPicPr>
+          <p:nvPr>
+            <p:ph idx="1"/>
+          </p:nvPr>
+        </p:nvPicPr>
+        <p:blipFill>
+          <a:blip r:embed="rId2">
+            <a:extLst>
+              <a:ext uri="{28A0092B-C50C-407E-A947-70E740481C1C}">
+                <a14:useLocalDpi xmlns:a14="http://schemas.microsoft.com/office/drawing/2010/main" val="0"/>
+              </a:ext>
+            </a:extLst>
+          </a:blip>
+          <a:stretch>
+            <a:fillRect/>
+          </a:stretch>
+        </p:blipFill>
+        <p:spPr>
+          <a:xfrm>
+            <a:off x="991674" y="933507"/>
+            <a:ext cx="10323802" cy="5068048"/>
+          </a:xfrm>
+        </p:spPr>
+      </p:pic>
+    </p:spTree>
+    <p:extLst>
+      <p:ext uri="{BB962C8B-B14F-4D97-AF65-F5344CB8AC3E}">
+        <p14:creationId xmlns:p14="http://schemas.microsoft.com/office/powerpoint/2010/main" val="2974554161"/>
+      </p:ext>
+    </p:extLst>
+  </p:cSld>
+  <p:clrMapOvr>
+    <a:masterClrMapping/>
+  </p:clrMapOvr>
+  <p:timing>
+    <p:tnLst>
+      <p:par>
+        <p:cTn id="1" dur="indefinite" restart="never" nodeType="tmRoot"/>
+      </p:par>
+    </p:tnLst>
+  </p:timing>
+</p:sld>
+</file>
+
+<file path=ppt/slides/slide13.xml><?xml version="1.0" encoding="utf-8"?>
 <p:sld xmlns:a="http://schemas.openxmlformats.org/drawingml/2006/main" xmlns:r="http://schemas.openxmlformats.org/officeDocument/2006/relationships" xmlns:p="http://schemas.openxmlformats.org/presentationml/2006/main">
   <p:cSld>
     <p:spTree>
@@ -6098,6 +6191,13 @@
   <p:clrMapOvr>
     <a:masterClrMapping/>
   </p:clrMapOvr>
+  <p:timing>
+    <p:tnLst>
+      <p:par>
+        <p:cTn id="1" dur="indefinite" restart="never" nodeType="tmRoot"/>
+      </p:par>
+    </p:tnLst>
+  </p:timing>
 </p:sld>
 </file>
 
@@ -6158,6 +6258,13 @@
   <p:clrMapOvr>
     <a:masterClrMapping/>
   </p:clrMapOvr>
+  <p:timing>
+    <p:tnLst>
+      <p:par>
+        <p:cTn id="1" dur="indefinite" restart="never" nodeType="tmRoot"/>
+      </p:par>
+    </p:tnLst>
+  </p:timing>
 </p:sld>
 </file>
 
@@ -6218,6 +6325,13 @@
   <p:clrMapOvr>
     <a:masterClrMapping/>
   </p:clrMapOvr>
+  <p:timing>
+    <p:tnLst>
+      <p:par>
+        <p:cTn id="1" dur="indefinite" restart="never" nodeType="tmRoot"/>
+      </p:par>
+    </p:tnLst>
+  </p:timing>
 </p:sld>
 </file>
 
@@ -6278,6 +6392,13 @@
   <p:clrMapOvr>
     <a:masterClrMapping/>
   </p:clrMapOvr>
+  <p:timing>
+    <p:tnLst>
+      <p:par>
+        <p:cTn id="1" dur="indefinite" restart="never" nodeType="tmRoot"/>
+      </p:par>
+    </p:tnLst>
+  </p:timing>
 </p:sld>
 </file>
 
@@ -6338,6 +6459,13 @@
   <p:clrMapOvr>
     <a:masterClrMapping/>
   </p:clrMapOvr>
+  <p:timing>
+    <p:tnLst>
+      <p:par>
+        <p:cTn id="1" dur="indefinite" restart="never" nodeType="tmRoot"/>
+      </p:par>
+    </p:tnLst>
+  </p:timing>
 </p:sld>
 </file>
 
@@ -6398,6 +6526,13 @@
   <p:clrMapOvr>
     <a:masterClrMapping/>
   </p:clrMapOvr>
+  <p:timing>
+    <p:tnLst>
+      <p:par>
+        <p:cTn id="1" dur="indefinite" restart="never" nodeType="tmRoot"/>
+      </p:par>
+    </p:tnLst>
+  </p:timing>
 </p:sld>
 </file>
 
@@ -6458,6 +6593,13 @@
   <p:clrMapOvr>
     <a:masterClrMapping/>
   </p:clrMapOvr>
+  <p:timing>
+    <p:tnLst>
+      <p:par>
+        <p:cTn id="1" dur="indefinite" restart="never" nodeType="tmRoot"/>
+      </p:par>
+    </p:tnLst>
+  </p:timing>
 </p:sld>
 </file>
 
@@ -6518,6 +6660,13 @@
   <p:clrMapOvr>
     <a:masterClrMapping/>
   </p:clrMapOvr>
+  <p:timing>
+    <p:tnLst>
+      <p:par>
+        <p:cTn id="1" dur="indefinite" restart="never" nodeType="tmRoot"/>
+      </p:par>
+    </p:tnLst>
+  </p:timing>
 </p:sld>
 </file>
 
@@ -6578,6 +6727,13 @@
   <p:clrMapOvr>
     <a:masterClrMapping/>
   </p:clrMapOvr>
+  <p:timing>
+    <p:tnLst>
+      <p:par>
+        <p:cTn id="1" dur="indefinite" restart="never" nodeType="tmRoot"/>
+      </p:par>
+    </p:tnLst>
+  </p:timing>
 </p:sld>
 </file>
 
